--- a/img/New Microsoft PowerPoint Presentation.pptx
+++ b/img/New Microsoft PowerPoint Presentation.pptx
@@ -6,10 +6,11 @@
   </p:sldMasterIdLst>
   <p:sldIdLst>
     <p:sldId id="256" r:id="rId2"/>
-    <p:sldId id="258" r:id="rId3"/>
-    <p:sldId id="259" r:id="rId4"/>
-    <p:sldId id="260" r:id="rId5"/>
-    <p:sldId id="257" r:id="rId6"/>
+    <p:sldId id="261" r:id="rId3"/>
+    <p:sldId id="258" r:id="rId4"/>
+    <p:sldId id="259" r:id="rId5"/>
+    <p:sldId id="260" r:id="rId6"/>
+    <p:sldId id="257" r:id="rId7"/>
   </p:sldIdLst>
   <p:sldSz cx="12192000" cy="6858000"/>
   <p:notesSz cx="6858000" cy="9144000"/>
@@ -4395,7 +4396,7 @@
           <a:p>
             <a:fld id="{6BA056C5-9D1C-42A5-AE13-3F6D8F435C70}" type="datetimeFigureOut">
               <a:rPr lang="en-US" smtClean="0"/>
-              <a:t>7/12/2021</a:t>
+              <a:t>8/6/2023</a:t>
             </a:fld>
             <a:endParaRPr lang="en-US"/>
           </a:p>
@@ -4593,7 +4594,7 @@
           <a:p>
             <a:fld id="{6BA056C5-9D1C-42A5-AE13-3F6D8F435C70}" type="datetimeFigureOut">
               <a:rPr lang="en-US" smtClean="0"/>
-              <a:t>7/12/2021</a:t>
+              <a:t>8/6/2023</a:t>
             </a:fld>
             <a:endParaRPr lang="en-US"/>
           </a:p>
@@ -4801,7 +4802,7 @@
           <a:p>
             <a:fld id="{6BA056C5-9D1C-42A5-AE13-3F6D8F435C70}" type="datetimeFigureOut">
               <a:rPr lang="en-US" smtClean="0"/>
-              <a:t>7/12/2021</a:t>
+              <a:t>8/6/2023</a:t>
             </a:fld>
             <a:endParaRPr lang="en-US"/>
           </a:p>
@@ -4999,7 +5000,7 @@
           <a:p>
             <a:fld id="{6BA056C5-9D1C-42A5-AE13-3F6D8F435C70}" type="datetimeFigureOut">
               <a:rPr lang="en-US" smtClean="0"/>
-              <a:t>7/12/2021</a:t>
+              <a:t>8/6/2023</a:t>
             </a:fld>
             <a:endParaRPr lang="en-US"/>
           </a:p>
@@ -5274,7 +5275,7 @@
           <a:p>
             <a:fld id="{6BA056C5-9D1C-42A5-AE13-3F6D8F435C70}" type="datetimeFigureOut">
               <a:rPr lang="en-US" smtClean="0"/>
-              <a:t>7/12/2021</a:t>
+              <a:t>8/6/2023</a:t>
             </a:fld>
             <a:endParaRPr lang="en-US"/>
           </a:p>
@@ -5539,7 +5540,7 @@
           <a:p>
             <a:fld id="{6BA056C5-9D1C-42A5-AE13-3F6D8F435C70}" type="datetimeFigureOut">
               <a:rPr lang="en-US" smtClean="0"/>
-              <a:t>7/12/2021</a:t>
+              <a:t>8/6/2023</a:t>
             </a:fld>
             <a:endParaRPr lang="en-US"/>
           </a:p>
@@ -5951,7 +5952,7 @@
           <a:p>
             <a:fld id="{6BA056C5-9D1C-42A5-AE13-3F6D8F435C70}" type="datetimeFigureOut">
               <a:rPr lang="en-US" smtClean="0"/>
-              <a:t>7/12/2021</a:t>
+              <a:t>8/6/2023</a:t>
             </a:fld>
             <a:endParaRPr lang="en-US"/>
           </a:p>
@@ -6092,7 +6093,7 @@
           <a:p>
             <a:fld id="{6BA056C5-9D1C-42A5-AE13-3F6D8F435C70}" type="datetimeFigureOut">
               <a:rPr lang="en-US" smtClean="0"/>
-              <a:t>7/12/2021</a:t>
+              <a:t>8/6/2023</a:t>
             </a:fld>
             <a:endParaRPr lang="en-US"/>
           </a:p>
@@ -6205,7 +6206,7 @@
           <a:p>
             <a:fld id="{6BA056C5-9D1C-42A5-AE13-3F6D8F435C70}" type="datetimeFigureOut">
               <a:rPr lang="en-US" smtClean="0"/>
-              <a:t>7/12/2021</a:t>
+              <a:t>8/6/2023</a:t>
             </a:fld>
             <a:endParaRPr lang="en-US"/>
           </a:p>
@@ -6516,7 +6517,7 @@
           <a:p>
             <a:fld id="{6BA056C5-9D1C-42A5-AE13-3F6D8F435C70}" type="datetimeFigureOut">
               <a:rPr lang="en-US" smtClean="0"/>
-              <a:t>7/12/2021</a:t>
+              <a:t>8/6/2023</a:t>
             </a:fld>
             <a:endParaRPr lang="en-US"/>
           </a:p>
@@ -6804,7 +6805,7 @@
           <a:p>
             <a:fld id="{6BA056C5-9D1C-42A5-AE13-3F6D8F435C70}" type="datetimeFigureOut">
               <a:rPr lang="en-US" smtClean="0"/>
-              <a:t>7/12/2021</a:t>
+              <a:t>8/6/2023</a:t>
             </a:fld>
             <a:endParaRPr lang="en-US"/>
           </a:p>
@@ -7045,7 +7046,7 @@
           <a:p>
             <a:fld id="{6BA056C5-9D1C-42A5-AE13-3F6D8F435C70}" type="datetimeFigureOut">
               <a:rPr lang="en-US" smtClean="0"/>
-              <a:t>7/12/2021</a:t>
+              <a:t>8/6/2023</a:t>
             </a:fld>
             <a:endParaRPr lang="en-US"/>
           </a:p>
@@ -7702,6 +7703,73 @@
       </p:grpSpPr>
       <p:pic>
         <p:nvPicPr>
+          <p:cNvPr id="4" name="Picture 3">
+            <a:extLst>
+              <a:ext uri="{FF2B5EF4-FFF2-40B4-BE49-F238E27FC236}">
+                <a16:creationId xmlns:a16="http://schemas.microsoft.com/office/drawing/2014/main" id="{D62A7437-E461-46B2-EAF2-ED75E3F710CC}"/>
+              </a:ext>
+            </a:extLst>
+          </p:cNvPr>
+          <p:cNvPicPr>
+            <a:picLocks noChangeAspect="1"/>
+          </p:cNvPicPr>
+          <p:nvPr/>
+        </p:nvPicPr>
+        <p:blipFill>
+          <a:blip r:embed="rId2">
+            <a:biLevel thresh="75000"/>
+            <a:extLst>
+              <a:ext uri="{28A0092B-C50C-407E-A947-70E740481C1C}">
+                <a14:useLocalDpi xmlns:a14="http://schemas.microsoft.com/office/drawing/2010/main" val="0"/>
+              </a:ext>
+            </a:extLst>
+          </a:blip>
+          <a:stretch>
+            <a:fillRect/>
+          </a:stretch>
+        </p:blipFill>
+        <p:spPr>
+          <a:xfrm>
+            <a:off x="3798984" y="2699658"/>
+            <a:ext cx="2936600" cy="752748"/>
+          </a:xfrm>
+          <a:prstGeom prst="rect">
+            <a:avLst/>
+          </a:prstGeom>
+        </p:spPr>
+      </p:pic>
+    </p:spTree>
+    <p:extLst>
+      <p:ext uri="{BB962C8B-B14F-4D97-AF65-F5344CB8AC3E}">
+        <p14:creationId xmlns:p14="http://schemas.microsoft.com/office/powerpoint/2010/main" val="968432098"/>
+      </p:ext>
+    </p:extLst>
+  </p:cSld>
+  <p:clrMapOvr>
+    <a:masterClrMapping/>
+  </p:clrMapOvr>
+</p:sld>
+</file>
+
+<file path=ppt/slides/slide3.xml><?xml version="1.0" encoding="utf-8"?>
+<p:sld xmlns:a="http://schemas.openxmlformats.org/drawingml/2006/main" xmlns:r="http://schemas.openxmlformats.org/officeDocument/2006/relationships" xmlns:p="http://schemas.openxmlformats.org/presentationml/2006/main">
+  <p:cSld>
+    <p:spTree>
+      <p:nvGrpSpPr>
+        <p:cNvPr id="1" name=""/>
+        <p:cNvGrpSpPr/>
+        <p:nvPr/>
+      </p:nvGrpSpPr>
+      <p:grpSpPr>
+        <a:xfrm>
+          <a:off x="0" y="0"/>
+          <a:ext cx="0" cy="0"/>
+          <a:chOff x="0" y="0"/>
+          <a:chExt cx="0" cy="0"/>
+        </a:xfrm>
+      </p:grpSpPr>
+      <p:pic>
+        <p:nvPicPr>
           <p:cNvPr id="1026" name="Picture 2" descr="Image Icons – Free Vector Download, PNG, SVG, GIF">
             <a:extLst>
               <a:ext uri="{FF2B5EF4-FFF2-40B4-BE49-F238E27FC236}">
@@ -8022,7 +8090,7 @@
 </p:sld>
 </file>
 
-<file path=ppt/slides/slide3.xml><?xml version="1.0" encoding="utf-8"?>
+<file path=ppt/slides/slide4.xml><?xml version="1.0" encoding="utf-8"?>
 <p:sld xmlns:a="http://schemas.openxmlformats.org/drawingml/2006/main" xmlns:r="http://schemas.openxmlformats.org/officeDocument/2006/relationships" xmlns:p="http://schemas.openxmlformats.org/presentationml/2006/main">
   <p:cSld>
     <p:spTree>
@@ -8097,7 +8165,7 @@
 </p:sld>
 </file>
 
-<file path=ppt/slides/slide4.xml><?xml version="1.0" encoding="utf-8"?>
+<file path=ppt/slides/slide5.xml><?xml version="1.0" encoding="utf-8"?>
 <p:sld xmlns:a="http://schemas.openxmlformats.org/drawingml/2006/main" xmlns:r="http://schemas.openxmlformats.org/officeDocument/2006/relationships" xmlns:p="http://schemas.openxmlformats.org/presentationml/2006/main">
   <p:cSld>
     <p:spTree>
@@ -8302,7 +8370,7 @@
 </p:sld>
 </file>
 
-<file path=ppt/slides/slide5.xml><?xml version="1.0" encoding="utf-8"?>
+<file path=ppt/slides/slide6.xml><?xml version="1.0" encoding="utf-8"?>
 <p:sld xmlns:a="http://schemas.openxmlformats.org/drawingml/2006/main" xmlns:r="http://schemas.openxmlformats.org/officeDocument/2006/relationships" xmlns:p="http://schemas.openxmlformats.org/presentationml/2006/main">
   <p:cSld>
     <p:spTree>
